--- a/PPT/Eric_Study_20240626.pptx
+++ b/PPT/Eric_Study_20240626.pptx
@@ -5,10 +5,10 @@
     <p:sldMasterId id="2147483660" r:id="rId1"/>
   </p:sldMasterIdLst>
   <p:notesMasterIdLst>
-    <p:notesMasterId r:id="rId16"/>
+    <p:notesMasterId r:id="rId21"/>
   </p:notesMasterIdLst>
   <p:handoutMasterIdLst>
-    <p:handoutMasterId r:id="rId17"/>
+    <p:handoutMasterId r:id="rId22"/>
   </p:handoutMasterIdLst>
   <p:sldIdLst>
     <p:sldId id="281" r:id="rId2"/>
@@ -24,7 +24,12 @@
     <p:sldId id="328" r:id="rId12"/>
     <p:sldId id="329" r:id="rId13"/>
     <p:sldId id="324" r:id="rId14"/>
-    <p:sldId id="314" r:id="rId15"/>
+    <p:sldId id="330" r:id="rId15"/>
+    <p:sldId id="331" r:id="rId16"/>
+    <p:sldId id="332" r:id="rId17"/>
+    <p:sldId id="334" r:id="rId18"/>
+    <p:sldId id="333" r:id="rId19"/>
+    <p:sldId id="314" r:id="rId20"/>
   </p:sldIdLst>
   <p:sldSz cx="12192000" cy="6858000"/>
   <p:notesSz cx="6858000" cy="9144000"/>
@@ -245,7 +250,7 @@
           <a:p>
             <a:fld id="{6CD14A5A-07C8-4137-955B-9B1B5BD2E3FD}" type="datetimeFigureOut">
               <a:rPr lang="zh-TW" altLang="en-US" smtClean="0"/>
-              <a:t>2024/6/14</a:t>
+              <a:t>2024/6/26</a:t>
             </a:fld>
             <a:endParaRPr lang="zh-TW" altLang="en-US"/>
           </a:p>
@@ -438,7 +443,7 @@
           <a:p>
             <a:fld id="{ACCD64E4-BCD3-4167-AFFE-26369D5F25BD}" type="datetimeFigureOut">
               <a:rPr lang="zh-TW" altLang="en-US" smtClean="0"/>
-              <a:t>2024/6/14</a:t>
+              <a:t>2024/6/26</a:t>
             </a:fld>
             <a:endParaRPr lang="zh-TW" altLang="en-US"/>
           </a:p>
@@ -1207,6 +1212,426 @@
             <a:fld id="{77724982-7DDF-4DC4-A2D1-6658E6625262}" type="slidenum">
               <a:rPr lang="zh-TW" altLang="en-US" smtClean="0"/>
               <a:t>14</a:t>
+            </a:fld>
+            <a:endParaRPr lang="zh-TW" altLang="en-US"/>
+          </a:p>
+        </p:txBody>
+      </p:sp>
+    </p:spTree>
+    <p:extLst>
+      <p:ext uri="{BB962C8B-B14F-4D97-AF65-F5344CB8AC3E}">
+        <p14:creationId xmlns:p14="http://schemas.microsoft.com/office/powerpoint/2010/main" val="1600855841"/>
+      </p:ext>
+    </p:extLst>
+  </p:cSld>
+  <p:clrMapOvr>
+    <a:masterClrMapping/>
+  </p:clrMapOvr>
+</p:notes>
+</file>
+
+<file path=ppt/notesSlides/notesSlide15.xml><?xml version="1.0" encoding="utf-8"?>
+<p:notes xmlns:a="http://schemas.openxmlformats.org/drawingml/2006/main" xmlns:r="http://schemas.openxmlformats.org/officeDocument/2006/relationships" xmlns:p="http://schemas.openxmlformats.org/presentationml/2006/main">
+  <p:cSld>
+    <p:spTree>
+      <p:nvGrpSpPr>
+        <p:cNvPr id="1" name=""/>
+        <p:cNvGrpSpPr/>
+        <p:nvPr/>
+      </p:nvGrpSpPr>
+      <p:grpSpPr>
+        <a:xfrm>
+          <a:off x="0" y="0"/>
+          <a:ext cx="0" cy="0"/>
+          <a:chOff x="0" y="0"/>
+          <a:chExt cx="0" cy="0"/>
+        </a:xfrm>
+      </p:grpSpPr>
+      <p:sp>
+        <p:nvSpPr>
+          <p:cNvPr id="2" name="投影片影像版面配置區 1"/>
+          <p:cNvSpPr>
+            <a:spLocks noGrp="1" noRot="1" noChangeAspect="1"/>
+          </p:cNvSpPr>
+          <p:nvPr>
+            <p:ph type="sldImg"/>
+          </p:nvPr>
+        </p:nvSpPr>
+        <p:spPr/>
+      </p:sp>
+      <p:sp>
+        <p:nvSpPr>
+          <p:cNvPr id="3" name="備忘稿版面配置區 2"/>
+          <p:cNvSpPr>
+            <a:spLocks noGrp="1"/>
+          </p:cNvSpPr>
+          <p:nvPr>
+            <p:ph type="body" idx="1"/>
+          </p:nvPr>
+        </p:nvSpPr>
+        <p:spPr/>
+        <p:txBody>
+          <a:bodyPr/>
+          <a:lstStyle/>
+          <a:p>
+            <a:endParaRPr lang="zh-TW" altLang="en-US" dirty="0"/>
+          </a:p>
+        </p:txBody>
+      </p:sp>
+      <p:sp>
+        <p:nvSpPr>
+          <p:cNvPr id="4" name="投影片編號版面配置區 3"/>
+          <p:cNvSpPr>
+            <a:spLocks noGrp="1"/>
+          </p:cNvSpPr>
+          <p:nvPr>
+            <p:ph type="sldNum" sz="quarter" idx="5"/>
+          </p:nvPr>
+        </p:nvSpPr>
+        <p:spPr/>
+        <p:txBody>
+          <a:bodyPr/>
+          <a:lstStyle/>
+          <a:p>
+            <a:fld id="{77724982-7DDF-4DC4-A2D1-6658E6625262}" type="slidenum">
+              <a:rPr lang="zh-TW" altLang="en-US" smtClean="0"/>
+              <a:t>15</a:t>
+            </a:fld>
+            <a:endParaRPr lang="zh-TW" altLang="en-US"/>
+          </a:p>
+        </p:txBody>
+      </p:sp>
+    </p:spTree>
+    <p:extLst>
+      <p:ext uri="{BB962C8B-B14F-4D97-AF65-F5344CB8AC3E}">
+        <p14:creationId xmlns:p14="http://schemas.microsoft.com/office/powerpoint/2010/main" val="2835931724"/>
+      </p:ext>
+    </p:extLst>
+  </p:cSld>
+  <p:clrMapOvr>
+    <a:masterClrMapping/>
+  </p:clrMapOvr>
+</p:notes>
+</file>
+
+<file path=ppt/notesSlides/notesSlide16.xml><?xml version="1.0" encoding="utf-8"?>
+<p:notes xmlns:a="http://schemas.openxmlformats.org/drawingml/2006/main" xmlns:r="http://schemas.openxmlformats.org/officeDocument/2006/relationships" xmlns:p="http://schemas.openxmlformats.org/presentationml/2006/main">
+  <p:cSld>
+    <p:spTree>
+      <p:nvGrpSpPr>
+        <p:cNvPr id="1" name=""/>
+        <p:cNvGrpSpPr/>
+        <p:nvPr/>
+      </p:nvGrpSpPr>
+      <p:grpSpPr>
+        <a:xfrm>
+          <a:off x="0" y="0"/>
+          <a:ext cx="0" cy="0"/>
+          <a:chOff x="0" y="0"/>
+          <a:chExt cx="0" cy="0"/>
+        </a:xfrm>
+      </p:grpSpPr>
+      <p:sp>
+        <p:nvSpPr>
+          <p:cNvPr id="2" name="投影片影像版面配置區 1"/>
+          <p:cNvSpPr>
+            <a:spLocks noGrp="1" noRot="1" noChangeAspect="1"/>
+          </p:cNvSpPr>
+          <p:nvPr>
+            <p:ph type="sldImg"/>
+          </p:nvPr>
+        </p:nvSpPr>
+        <p:spPr/>
+      </p:sp>
+      <p:sp>
+        <p:nvSpPr>
+          <p:cNvPr id="3" name="備忘稿版面配置區 2"/>
+          <p:cNvSpPr>
+            <a:spLocks noGrp="1"/>
+          </p:cNvSpPr>
+          <p:nvPr>
+            <p:ph type="body" idx="1"/>
+          </p:nvPr>
+        </p:nvSpPr>
+        <p:spPr/>
+        <p:txBody>
+          <a:bodyPr/>
+          <a:lstStyle/>
+          <a:p>
+            <a:endParaRPr lang="zh-TW" altLang="en-US" dirty="0"/>
+          </a:p>
+        </p:txBody>
+      </p:sp>
+      <p:sp>
+        <p:nvSpPr>
+          <p:cNvPr id="4" name="投影片編號版面配置區 3"/>
+          <p:cNvSpPr>
+            <a:spLocks noGrp="1"/>
+          </p:cNvSpPr>
+          <p:nvPr>
+            <p:ph type="sldNum" sz="quarter" idx="5"/>
+          </p:nvPr>
+        </p:nvSpPr>
+        <p:spPr/>
+        <p:txBody>
+          <a:bodyPr/>
+          <a:lstStyle/>
+          <a:p>
+            <a:fld id="{77724982-7DDF-4DC4-A2D1-6658E6625262}" type="slidenum">
+              <a:rPr lang="zh-TW" altLang="en-US" smtClean="0"/>
+              <a:t>16</a:t>
+            </a:fld>
+            <a:endParaRPr lang="zh-TW" altLang="en-US"/>
+          </a:p>
+        </p:txBody>
+      </p:sp>
+    </p:spTree>
+    <p:extLst>
+      <p:ext uri="{BB962C8B-B14F-4D97-AF65-F5344CB8AC3E}">
+        <p14:creationId xmlns:p14="http://schemas.microsoft.com/office/powerpoint/2010/main" val="583800206"/>
+      </p:ext>
+    </p:extLst>
+  </p:cSld>
+  <p:clrMapOvr>
+    <a:masterClrMapping/>
+  </p:clrMapOvr>
+</p:notes>
+</file>
+
+<file path=ppt/notesSlides/notesSlide17.xml><?xml version="1.0" encoding="utf-8"?>
+<p:notes xmlns:a="http://schemas.openxmlformats.org/drawingml/2006/main" xmlns:r="http://schemas.openxmlformats.org/officeDocument/2006/relationships" xmlns:p="http://schemas.openxmlformats.org/presentationml/2006/main">
+  <p:cSld>
+    <p:spTree>
+      <p:nvGrpSpPr>
+        <p:cNvPr id="1" name=""/>
+        <p:cNvGrpSpPr/>
+        <p:nvPr/>
+      </p:nvGrpSpPr>
+      <p:grpSpPr>
+        <a:xfrm>
+          <a:off x="0" y="0"/>
+          <a:ext cx="0" cy="0"/>
+          <a:chOff x="0" y="0"/>
+          <a:chExt cx="0" cy="0"/>
+        </a:xfrm>
+      </p:grpSpPr>
+      <p:sp>
+        <p:nvSpPr>
+          <p:cNvPr id="2" name="投影片影像版面配置區 1"/>
+          <p:cNvSpPr>
+            <a:spLocks noGrp="1" noRot="1" noChangeAspect="1"/>
+          </p:cNvSpPr>
+          <p:nvPr>
+            <p:ph type="sldImg"/>
+          </p:nvPr>
+        </p:nvSpPr>
+        <p:spPr/>
+      </p:sp>
+      <p:sp>
+        <p:nvSpPr>
+          <p:cNvPr id="3" name="備忘稿版面配置區 2"/>
+          <p:cNvSpPr>
+            <a:spLocks noGrp="1"/>
+          </p:cNvSpPr>
+          <p:nvPr>
+            <p:ph type="body" idx="1"/>
+          </p:nvPr>
+        </p:nvSpPr>
+        <p:spPr/>
+        <p:txBody>
+          <a:bodyPr/>
+          <a:lstStyle/>
+          <a:p>
+            <a:endParaRPr lang="zh-TW" altLang="en-US" dirty="0"/>
+          </a:p>
+        </p:txBody>
+      </p:sp>
+      <p:sp>
+        <p:nvSpPr>
+          <p:cNvPr id="4" name="投影片編號版面配置區 3"/>
+          <p:cNvSpPr>
+            <a:spLocks noGrp="1"/>
+          </p:cNvSpPr>
+          <p:nvPr>
+            <p:ph type="sldNum" sz="quarter" idx="5"/>
+          </p:nvPr>
+        </p:nvSpPr>
+        <p:spPr/>
+        <p:txBody>
+          <a:bodyPr/>
+          <a:lstStyle/>
+          <a:p>
+            <a:fld id="{77724982-7DDF-4DC4-A2D1-6658E6625262}" type="slidenum">
+              <a:rPr lang="zh-TW" altLang="en-US" smtClean="0"/>
+              <a:t>17</a:t>
+            </a:fld>
+            <a:endParaRPr lang="zh-TW" altLang="en-US"/>
+          </a:p>
+        </p:txBody>
+      </p:sp>
+    </p:spTree>
+    <p:extLst>
+      <p:ext uri="{BB962C8B-B14F-4D97-AF65-F5344CB8AC3E}">
+        <p14:creationId xmlns:p14="http://schemas.microsoft.com/office/powerpoint/2010/main" val="1358147848"/>
+      </p:ext>
+    </p:extLst>
+  </p:cSld>
+  <p:clrMapOvr>
+    <a:masterClrMapping/>
+  </p:clrMapOvr>
+</p:notes>
+</file>
+
+<file path=ppt/notesSlides/notesSlide18.xml><?xml version="1.0" encoding="utf-8"?>
+<p:notes xmlns:a="http://schemas.openxmlformats.org/drawingml/2006/main" xmlns:r="http://schemas.openxmlformats.org/officeDocument/2006/relationships" xmlns:p="http://schemas.openxmlformats.org/presentationml/2006/main">
+  <p:cSld>
+    <p:spTree>
+      <p:nvGrpSpPr>
+        <p:cNvPr id="1" name=""/>
+        <p:cNvGrpSpPr/>
+        <p:nvPr/>
+      </p:nvGrpSpPr>
+      <p:grpSpPr>
+        <a:xfrm>
+          <a:off x="0" y="0"/>
+          <a:ext cx="0" cy="0"/>
+          <a:chOff x="0" y="0"/>
+          <a:chExt cx="0" cy="0"/>
+        </a:xfrm>
+      </p:grpSpPr>
+      <p:sp>
+        <p:nvSpPr>
+          <p:cNvPr id="2" name="投影片影像版面配置區 1"/>
+          <p:cNvSpPr>
+            <a:spLocks noGrp="1" noRot="1" noChangeAspect="1"/>
+          </p:cNvSpPr>
+          <p:nvPr>
+            <p:ph type="sldImg"/>
+          </p:nvPr>
+        </p:nvSpPr>
+        <p:spPr/>
+      </p:sp>
+      <p:sp>
+        <p:nvSpPr>
+          <p:cNvPr id="3" name="備忘稿版面配置區 2"/>
+          <p:cNvSpPr>
+            <a:spLocks noGrp="1"/>
+          </p:cNvSpPr>
+          <p:nvPr>
+            <p:ph type="body" idx="1"/>
+          </p:nvPr>
+        </p:nvSpPr>
+        <p:spPr/>
+        <p:txBody>
+          <a:bodyPr/>
+          <a:lstStyle/>
+          <a:p>
+            <a:endParaRPr lang="zh-TW" altLang="en-US" dirty="0"/>
+          </a:p>
+        </p:txBody>
+      </p:sp>
+      <p:sp>
+        <p:nvSpPr>
+          <p:cNvPr id="4" name="投影片編號版面配置區 3"/>
+          <p:cNvSpPr>
+            <a:spLocks noGrp="1"/>
+          </p:cNvSpPr>
+          <p:nvPr>
+            <p:ph type="sldNum" sz="quarter" idx="5"/>
+          </p:nvPr>
+        </p:nvSpPr>
+        <p:spPr/>
+        <p:txBody>
+          <a:bodyPr/>
+          <a:lstStyle/>
+          <a:p>
+            <a:fld id="{77724982-7DDF-4DC4-A2D1-6658E6625262}" type="slidenum">
+              <a:rPr lang="zh-TW" altLang="en-US" smtClean="0"/>
+              <a:t>18</a:t>
+            </a:fld>
+            <a:endParaRPr lang="zh-TW" altLang="en-US"/>
+          </a:p>
+        </p:txBody>
+      </p:sp>
+    </p:spTree>
+    <p:extLst>
+      <p:ext uri="{BB962C8B-B14F-4D97-AF65-F5344CB8AC3E}">
+        <p14:creationId xmlns:p14="http://schemas.microsoft.com/office/powerpoint/2010/main" val="2055037622"/>
+      </p:ext>
+    </p:extLst>
+  </p:cSld>
+  <p:clrMapOvr>
+    <a:masterClrMapping/>
+  </p:clrMapOvr>
+</p:notes>
+</file>
+
+<file path=ppt/notesSlides/notesSlide19.xml><?xml version="1.0" encoding="utf-8"?>
+<p:notes xmlns:a="http://schemas.openxmlformats.org/drawingml/2006/main" xmlns:r="http://schemas.openxmlformats.org/officeDocument/2006/relationships" xmlns:p="http://schemas.openxmlformats.org/presentationml/2006/main">
+  <p:cSld>
+    <p:spTree>
+      <p:nvGrpSpPr>
+        <p:cNvPr id="1" name=""/>
+        <p:cNvGrpSpPr/>
+        <p:nvPr/>
+      </p:nvGrpSpPr>
+      <p:grpSpPr>
+        <a:xfrm>
+          <a:off x="0" y="0"/>
+          <a:ext cx="0" cy="0"/>
+          <a:chOff x="0" y="0"/>
+          <a:chExt cx="0" cy="0"/>
+        </a:xfrm>
+      </p:grpSpPr>
+      <p:sp>
+        <p:nvSpPr>
+          <p:cNvPr id="2" name="投影片影像版面配置區 1"/>
+          <p:cNvSpPr>
+            <a:spLocks noGrp="1" noRot="1" noChangeAspect="1"/>
+          </p:cNvSpPr>
+          <p:nvPr>
+            <p:ph type="sldImg"/>
+          </p:nvPr>
+        </p:nvSpPr>
+        <p:spPr/>
+      </p:sp>
+      <p:sp>
+        <p:nvSpPr>
+          <p:cNvPr id="3" name="備忘稿版面配置區 2"/>
+          <p:cNvSpPr>
+            <a:spLocks noGrp="1"/>
+          </p:cNvSpPr>
+          <p:nvPr>
+            <p:ph type="body" idx="1"/>
+          </p:nvPr>
+        </p:nvSpPr>
+        <p:spPr/>
+        <p:txBody>
+          <a:bodyPr/>
+          <a:lstStyle/>
+          <a:p>
+            <a:endParaRPr lang="zh-TW" altLang="en-US" dirty="0"/>
+          </a:p>
+        </p:txBody>
+      </p:sp>
+      <p:sp>
+        <p:nvSpPr>
+          <p:cNvPr id="4" name="投影片編號版面配置區 3"/>
+          <p:cNvSpPr>
+            <a:spLocks noGrp="1"/>
+          </p:cNvSpPr>
+          <p:nvPr>
+            <p:ph type="sldNum" sz="quarter" idx="5"/>
+          </p:nvPr>
+        </p:nvSpPr>
+        <p:spPr/>
+        <p:txBody>
+          <a:bodyPr/>
+          <a:lstStyle/>
+          <a:p>
+            <a:fld id="{77724982-7DDF-4DC4-A2D1-6658E6625262}" type="slidenum">
+              <a:rPr lang="zh-TW" altLang="en-US" smtClean="0"/>
+              <a:t>19</a:t>
             </a:fld>
             <a:endParaRPr lang="zh-TW" altLang="en-US"/>
           </a:p>
@@ -7002,7 +7427,23 @@
           <a:p>
             <a:r>
               <a:rPr lang="en-US" altLang="zh-TW" dirty="0"/>
-              <a:t>Future Work</a:t>
+              <a:t>Euler Engle</a:t>
+            </a:r>
+            <a:r>
+              <a:rPr lang="zh-TW" altLang="en-US" dirty="0"/>
+              <a:t> </a:t>
+            </a:r>
+            <a:r>
+              <a:rPr lang="en-US" altLang="zh-TW" dirty="0"/>
+              <a:t>(normal </a:t>
+            </a:r>
+            <a:r>
+              <a:rPr lang="en-US" altLang="zh-TW" dirty="0" err="1"/>
+              <a:t>v.s</a:t>
+            </a:r>
+            <a:r>
+              <a:rPr lang="en-US" altLang="zh-TW" dirty="0"/>
+              <a:t>. 4s window size)</a:t>
             </a:r>
             <a:endParaRPr lang="zh-TW" altLang="en-US" dirty="0"/>
           </a:p>
@@ -7090,6 +7531,1275 @@
               <a:rPr lang="en-US" smtClean="0"/>
               <a:pPr/>
               <a:t>14</a:t>
+            </a:fld>
+            <a:endParaRPr lang="en-US" dirty="0"/>
+          </a:p>
+        </p:txBody>
+      </p:sp>
+      <p:pic>
+        <p:nvPicPr>
+          <p:cNvPr id="7" name="圖片 6">
+            <a:extLst>
+              <a:ext uri="{FF2B5EF4-FFF2-40B4-BE49-F238E27FC236}">
+                <a16:creationId xmlns:a16="http://schemas.microsoft.com/office/drawing/2014/main" id="{B084FB6C-84C3-441E-8BA1-40CFAF5C3B17}"/>
+              </a:ext>
+            </a:extLst>
+          </p:cNvPr>
+          <p:cNvPicPr>
+            <a:picLocks noChangeAspect="1"/>
+          </p:cNvPicPr>
+          <p:nvPr/>
+        </p:nvPicPr>
+        <p:blipFill>
+          <a:blip r:embed="rId3"/>
+          <a:stretch>
+            <a:fillRect/>
+          </a:stretch>
+        </p:blipFill>
+        <p:spPr>
+          <a:xfrm>
+            <a:off x="6131410" y="1237593"/>
+            <a:ext cx="5991082" cy="4078949"/>
+          </a:xfrm>
+          <a:prstGeom prst="rect">
+            <a:avLst/>
+          </a:prstGeom>
+        </p:spPr>
+      </p:pic>
+      <p:sp>
+        <p:nvSpPr>
+          <p:cNvPr id="9" name="文字方塊 8">
+            <a:extLst>
+              <a:ext uri="{FF2B5EF4-FFF2-40B4-BE49-F238E27FC236}">
+                <a16:creationId xmlns:a16="http://schemas.microsoft.com/office/drawing/2014/main" id="{123F1BAE-3200-4F79-B91B-E245A04FCEE1}"/>
+              </a:ext>
+            </a:extLst>
+          </p:cNvPr>
+          <p:cNvSpPr txBox="1"/>
+          <p:nvPr/>
+        </p:nvSpPr>
+        <p:spPr>
+          <a:xfrm>
+            <a:off x="1522341" y="5539580"/>
+            <a:ext cx="2946400" cy="461665"/>
+          </a:xfrm>
+          <a:prstGeom prst="rect">
+            <a:avLst/>
+          </a:prstGeom>
+          <a:noFill/>
+        </p:spPr>
+        <p:txBody>
+          <a:bodyPr wrap="square" rtlCol="0">
+            <a:spAutoFit/>
+          </a:bodyPr>
+          <a:lstStyle/>
+          <a:p>
+            <a:pPr algn="ctr"/>
+            <a:r>
+              <a:rPr lang="en-US" altLang="zh-TW" sz="2400" b="1" dirty="0"/>
+              <a:t>Normal</a:t>
+            </a:r>
+            <a:endParaRPr lang="zh-TW" altLang="en-US" sz="2400" b="1" dirty="0"/>
+          </a:p>
+        </p:txBody>
+      </p:sp>
+      <p:sp>
+        <p:nvSpPr>
+          <p:cNvPr id="11" name="文字方塊 10">
+            <a:extLst>
+              <a:ext uri="{FF2B5EF4-FFF2-40B4-BE49-F238E27FC236}">
+                <a16:creationId xmlns:a16="http://schemas.microsoft.com/office/drawing/2014/main" id="{B6CF0F48-3583-4A9B-B96E-BB078A1EE1C3}"/>
+              </a:ext>
+            </a:extLst>
+          </p:cNvPr>
+          <p:cNvSpPr txBox="1"/>
+          <p:nvPr/>
+        </p:nvSpPr>
+        <p:spPr>
+          <a:xfrm>
+            <a:off x="7912631" y="5539580"/>
+            <a:ext cx="2946400" cy="461665"/>
+          </a:xfrm>
+          <a:prstGeom prst="rect">
+            <a:avLst/>
+          </a:prstGeom>
+          <a:noFill/>
+        </p:spPr>
+        <p:txBody>
+          <a:bodyPr wrap="square" rtlCol="0">
+            <a:spAutoFit/>
+          </a:bodyPr>
+          <a:lstStyle/>
+          <a:p>
+            <a:pPr algn="ctr"/>
+            <a:r>
+              <a:rPr lang="en-US" altLang="zh-TW" sz="2400" b="1" dirty="0"/>
+              <a:t>4s window size</a:t>
+            </a:r>
+            <a:endParaRPr lang="zh-TW" altLang="en-US" sz="2400" b="1" dirty="0"/>
+          </a:p>
+        </p:txBody>
+      </p:sp>
+      <p:pic>
+        <p:nvPicPr>
+          <p:cNvPr id="12" name="圖片 11">
+            <a:extLst>
+              <a:ext uri="{FF2B5EF4-FFF2-40B4-BE49-F238E27FC236}">
+                <a16:creationId xmlns:a16="http://schemas.microsoft.com/office/drawing/2014/main" id="{DE710BD4-850E-48A7-AAD8-158CDBF34269}"/>
+              </a:ext>
+            </a:extLst>
+          </p:cNvPr>
+          <p:cNvPicPr>
+            <a:picLocks noChangeAspect="1"/>
+          </p:cNvPicPr>
+          <p:nvPr/>
+        </p:nvPicPr>
+        <p:blipFill>
+          <a:blip r:embed="rId4"/>
+          <a:stretch>
+            <a:fillRect/>
+          </a:stretch>
+        </p:blipFill>
+        <p:spPr>
+          <a:xfrm>
+            <a:off x="0" y="1237593"/>
+            <a:ext cx="5991082" cy="4078949"/>
+          </a:xfrm>
+          <a:prstGeom prst="rect">
+            <a:avLst/>
+          </a:prstGeom>
+        </p:spPr>
+      </p:pic>
+    </p:spTree>
+    <p:extLst>
+      <p:ext uri="{BB962C8B-B14F-4D97-AF65-F5344CB8AC3E}">
+        <p14:creationId xmlns:p14="http://schemas.microsoft.com/office/powerpoint/2010/main" val="3210348215"/>
+      </p:ext>
+    </p:extLst>
+  </p:cSld>
+  <p:clrMapOvr>
+    <a:masterClrMapping/>
+  </p:clrMapOvr>
+</p:sld>
+</file>
+
+<file path=ppt/slides/slide15.xml><?xml version="1.0" encoding="utf-8"?>
+<p:sld xmlns:a="http://schemas.openxmlformats.org/drawingml/2006/main" xmlns:r="http://schemas.openxmlformats.org/officeDocument/2006/relationships" xmlns:p="http://schemas.openxmlformats.org/presentationml/2006/main">
+  <p:cSld>
+    <p:spTree>
+      <p:nvGrpSpPr>
+        <p:cNvPr id="1" name=""/>
+        <p:cNvGrpSpPr/>
+        <p:nvPr/>
+      </p:nvGrpSpPr>
+      <p:grpSpPr>
+        <a:xfrm>
+          <a:off x="0" y="0"/>
+          <a:ext cx="0" cy="0"/>
+          <a:chOff x="0" y="0"/>
+          <a:chExt cx="0" cy="0"/>
+        </a:xfrm>
+      </p:grpSpPr>
+      <p:sp>
+        <p:nvSpPr>
+          <p:cNvPr id="2" name="標題 1">
+            <a:extLst>
+              <a:ext uri="{FF2B5EF4-FFF2-40B4-BE49-F238E27FC236}">
+                <a16:creationId xmlns:a16="http://schemas.microsoft.com/office/drawing/2014/main" id="{FAFA649F-930C-4726-8616-5F4F809198E7}"/>
+              </a:ext>
+            </a:extLst>
+          </p:cNvPr>
+          <p:cNvSpPr>
+            <a:spLocks noGrp="1"/>
+          </p:cNvSpPr>
+          <p:nvPr>
+            <p:ph type="title"/>
+          </p:nvPr>
+        </p:nvSpPr>
+        <p:spPr/>
+        <p:txBody>
+          <a:bodyPr>
+            <a:normAutofit/>
+          </a:bodyPr>
+          <a:lstStyle/>
+          <a:p>
+            <a:r>
+              <a:rPr lang="en-US" altLang="zh-TW" dirty="0"/>
+              <a:t>Result</a:t>
+            </a:r>
+            <a:r>
+              <a:rPr lang="zh-TW" altLang="en-US" dirty="0"/>
+              <a:t> </a:t>
+            </a:r>
+            <a:r>
+              <a:rPr lang="en-US" altLang="zh-TW" dirty="0"/>
+              <a:t>(Train &amp; test are the same)</a:t>
+            </a:r>
+            <a:endParaRPr lang="zh-TW" altLang="en-US" dirty="0"/>
+          </a:p>
+        </p:txBody>
+      </p:sp>
+      <p:sp>
+        <p:nvSpPr>
+          <p:cNvPr id="3" name="日期版面配置區 2">
+            <a:extLst>
+              <a:ext uri="{FF2B5EF4-FFF2-40B4-BE49-F238E27FC236}">
+                <a16:creationId xmlns:a16="http://schemas.microsoft.com/office/drawing/2014/main" id="{32098A38-97CB-4A15-9BBC-F0543B41ED32}"/>
+              </a:ext>
+            </a:extLst>
+          </p:cNvPr>
+          <p:cNvSpPr>
+            <a:spLocks noGrp="1"/>
+          </p:cNvSpPr>
+          <p:nvPr>
+            <p:ph type="dt" sz="half" idx="10"/>
+          </p:nvPr>
+        </p:nvSpPr>
+        <p:spPr/>
+        <p:txBody>
+          <a:bodyPr/>
+          <a:lstStyle/>
+          <a:p>
+            <a:r>
+              <a:rPr lang="en-US" altLang="zh-TW"/>
+              <a:t>2023/07/03</a:t>
+            </a:r>
+            <a:endParaRPr lang="en-US" altLang="zh-TW" dirty="0"/>
+          </a:p>
+        </p:txBody>
+      </p:sp>
+      <p:sp>
+        <p:nvSpPr>
+          <p:cNvPr id="4" name="頁尾版面配置區 3">
+            <a:extLst>
+              <a:ext uri="{FF2B5EF4-FFF2-40B4-BE49-F238E27FC236}">
+                <a16:creationId xmlns:a16="http://schemas.microsoft.com/office/drawing/2014/main" id="{43654C6E-58CD-4BF5-9FC3-0C30901AE1EC}"/>
+              </a:ext>
+            </a:extLst>
+          </p:cNvPr>
+          <p:cNvSpPr>
+            <a:spLocks noGrp="1"/>
+          </p:cNvSpPr>
+          <p:nvPr>
+            <p:ph type="ftr" sz="quarter" idx="11"/>
+          </p:nvPr>
+        </p:nvSpPr>
+        <p:spPr/>
+        <p:txBody>
+          <a:bodyPr/>
+          <a:lstStyle/>
+          <a:p>
+            <a:r>
+              <a:rPr lang="en-US"/>
+              <a:t>KDD Lab@NCHU</a:t>
+            </a:r>
+          </a:p>
+        </p:txBody>
+      </p:sp>
+      <p:sp>
+        <p:nvSpPr>
+          <p:cNvPr id="5" name="投影片編號版面配置區 4">
+            <a:extLst>
+              <a:ext uri="{FF2B5EF4-FFF2-40B4-BE49-F238E27FC236}">
+                <a16:creationId xmlns:a16="http://schemas.microsoft.com/office/drawing/2014/main" id="{64A3192D-BE7F-44FA-A857-90A4F2DDC284}"/>
+              </a:ext>
+            </a:extLst>
+          </p:cNvPr>
+          <p:cNvSpPr>
+            <a:spLocks noGrp="1"/>
+          </p:cNvSpPr>
+          <p:nvPr>
+            <p:ph type="sldNum" sz="quarter" idx="12"/>
+          </p:nvPr>
+        </p:nvSpPr>
+        <p:spPr/>
+        <p:txBody>
+          <a:bodyPr/>
+          <a:lstStyle/>
+          <a:p>
+            <a:fld id="{4024F9E6-8BD1-4849-86DE-3CD23B63DC4B}" type="slidenum">
+              <a:rPr lang="en-US" smtClean="0"/>
+              <a:pPr/>
+              <a:t>15</a:t>
+            </a:fld>
+            <a:endParaRPr lang="en-US" dirty="0"/>
+          </a:p>
+        </p:txBody>
+      </p:sp>
+      <p:pic>
+        <p:nvPicPr>
+          <p:cNvPr id="7" name="圖片 6">
+            <a:extLst>
+              <a:ext uri="{FF2B5EF4-FFF2-40B4-BE49-F238E27FC236}">
+                <a16:creationId xmlns:a16="http://schemas.microsoft.com/office/drawing/2014/main" id="{36AE6DF6-DF83-4F80-B152-0F756A2B172D}"/>
+              </a:ext>
+            </a:extLst>
+          </p:cNvPr>
+          <p:cNvPicPr>
+            <a:picLocks noChangeAspect="1"/>
+          </p:cNvPicPr>
+          <p:nvPr/>
+        </p:nvPicPr>
+        <p:blipFill>
+          <a:blip r:embed="rId3"/>
+          <a:stretch>
+            <a:fillRect/>
+          </a:stretch>
+        </p:blipFill>
+        <p:spPr>
+          <a:xfrm>
+            <a:off x="5998464" y="1245366"/>
+            <a:ext cx="5971541" cy="4047225"/>
+          </a:xfrm>
+          <a:prstGeom prst="rect">
+            <a:avLst/>
+          </a:prstGeom>
+        </p:spPr>
+      </p:pic>
+      <p:pic>
+        <p:nvPicPr>
+          <p:cNvPr id="20" name="圖片 19">
+            <a:extLst>
+              <a:ext uri="{FF2B5EF4-FFF2-40B4-BE49-F238E27FC236}">
+                <a16:creationId xmlns:a16="http://schemas.microsoft.com/office/drawing/2014/main" id="{BE56FEFB-E967-47F9-9402-6228AE1B0E80}"/>
+              </a:ext>
+            </a:extLst>
+          </p:cNvPr>
+          <p:cNvPicPr>
+            <a:picLocks noChangeAspect="1"/>
+          </p:cNvPicPr>
+          <p:nvPr/>
+        </p:nvPicPr>
+        <p:blipFill>
+          <a:blip r:embed="rId4"/>
+          <a:stretch>
+            <a:fillRect/>
+          </a:stretch>
+        </p:blipFill>
+        <p:spPr>
+          <a:xfrm>
+            <a:off x="26924" y="1245367"/>
+            <a:ext cx="5971540" cy="4047225"/>
+          </a:xfrm>
+          <a:prstGeom prst="rect">
+            <a:avLst/>
+          </a:prstGeom>
+        </p:spPr>
+      </p:pic>
+      <p:sp>
+        <p:nvSpPr>
+          <p:cNvPr id="21" name="文字方塊 20">
+            <a:extLst>
+              <a:ext uri="{FF2B5EF4-FFF2-40B4-BE49-F238E27FC236}">
+                <a16:creationId xmlns:a16="http://schemas.microsoft.com/office/drawing/2014/main" id="{564D2E96-FF50-4A9C-A5BE-AA842692FDE1}"/>
+              </a:ext>
+            </a:extLst>
+          </p:cNvPr>
+          <p:cNvSpPr txBox="1"/>
+          <p:nvPr/>
+        </p:nvSpPr>
+        <p:spPr>
+          <a:xfrm>
+            <a:off x="1814572" y="5394958"/>
+            <a:ext cx="2946400" cy="461665"/>
+          </a:xfrm>
+          <a:prstGeom prst="rect">
+            <a:avLst/>
+          </a:prstGeom>
+          <a:noFill/>
+        </p:spPr>
+        <p:txBody>
+          <a:bodyPr wrap="square" rtlCol="0">
+            <a:spAutoFit/>
+          </a:bodyPr>
+          <a:lstStyle/>
+          <a:p>
+            <a:pPr algn="ctr"/>
+            <a:r>
+              <a:rPr lang="en-US" altLang="zh-TW" sz="2400" b="1" dirty="0"/>
+              <a:t>Normal</a:t>
+            </a:r>
+            <a:endParaRPr lang="zh-TW" altLang="en-US" sz="2400" b="1" dirty="0"/>
+          </a:p>
+        </p:txBody>
+      </p:sp>
+      <p:sp>
+        <p:nvSpPr>
+          <p:cNvPr id="22" name="文字方塊 21">
+            <a:extLst>
+              <a:ext uri="{FF2B5EF4-FFF2-40B4-BE49-F238E27FC236}">
+                <a16:creationId xmlns:a16="http://schemas.microsoft.com/office/drawing/2014/main" id="{E5728AA2-70EC-4F27-9089-D181FCFEB523}"/>
+              </a:ext>
+            </a:extLst>
+          </p:cNvPr>
+          <p:cNvSpPr txBox="1"/>
+          <p:nvPr/>
+        </p:nvSpPr>
+        <p:spPr>
+          <a:xfrm>
+            <a:off x="7780656" y="5381801"/>
+            <a:ext cx="2946400" cy="461665"/>
+          </a:xfrm>
+          <a:prstGeom prst="rect">
+            <a:avLst/>
+          </a:prstGeom>
+          <a:noFill/>
+        </p:spPr>
+        <p:txBody>
+          <a:bodyPr wrap="square" rtlCol="0">
+            <a:spAutoFit/>
+          </a:bodyPr>
+          <a:lstStyle/>
+          <a:p>
+            <a:pPr algn="ctr"/>
+            <a:r>
+              <a:rPr lang="en-US" altLang="zh-TW" sz="2400" b="1" dirty="0"/>
+              <a:t>4s window size</a:t>
+            </a:r>
+            <a:endParaRPr lang="zh-TW" altLang="en-US" sz="2400" b="1" dirty="0"/>
+          </a:p>
+        </p:txBody>
+      </p:sp>
+    </p:spTree>
+    <p:extLst>
+      <p:ext uri="{BB962C8B-B14F-4D97-AF65-F5344CB8AC3E}">
+        <p14:creationId xmlns:p14="http://schemas.microsoft.com/office/powerpoint/2010/main" val="1619346486"/>
+      </p:ext>
+    </p:extLst>
+  </p:cSld>
+  <p:clrMapOvr>
+    <a:masterClrMapping/>
+  </p:clrMapOvr>
+</p:sld>
+</file>
+
+<file path=ppt/slides/slide16.xml><?xml version="1.0" encoding="utf-8"?>
+<p:sld xmlns:a="http://schemas.openxmlformats.org/drawingml/2006/main" xmlns:r="http://schemas.openxmlformats.org/officeDocument/2006/relationships" xmlns:p="http://schemas.openxmlformats.org/presentationml/2006/main">
+  <p:cSld>
+    <p:spTree>
+      <p:nvGrpSpPr>
+        <p:cNvPr id="1" name=""/>
+        <p:cNvGrpSpPr/>
+        <p:nvPr/>
+      </p:nvGrpSpPr>
+      <p:grpSpPr>
+        <a:xfrm>
+          <a:off x="0" y="0"/>
+          <a:ext cx="0" cy="0"/>
+          <a:chOff x="0" y="0"/>
+          <a:chExt cx="0" cy="0"/>
+        </a:xfrm>
+      </p:grpSpPr>
+      <p:sp>
+        <p:nvSpPr>
+          <p:cNvPr id="2" name="標題 1">
+            <a:extLst>
+              <a:ext uri="{FF2B5EF4-FFF2-40B4-BE49-F238E27FC236}">
+                <a16:creationId xmlns:a16="http://schemas.microsoft.com/office/drawing/2014/main" id="{FAFA649F-930C-4726-8616-5F4F809198E7}"/>
+              </a:ext>
+            </a:extLst>
+          </p:cNvPr>
+          <p:cNvSpPr>
+            <a:spLocks noGrp="1"/>
+          </p:cNvSpPr>
+          <p:nvPr>
+            <p:ph type="title"/>
+          </p:nvPr>
+        </p:nvSpPr>
+        <p:spPr/>
+        <p:txBody>
+          <a:bodyPr>
+            <a:normAutofit/>
+          </a:bodyPr>
+          <a:lstStyle/>
+          <a:p>
+            <a:r>
+              <a:rPr lang="en-US" altLang="zh-TW" dirty="0"/>
+              <a:t>Result</a:t>
+            </a:r>
+            <a:r>
+              <a:rPr lang="zh-TW" altLang="en-US" dirty="0"/>
+              <a:t> </a:t>
+            </a:r>
+            <a:r>
+              <a:rPr lang="en-US" altLang="zh-TW" dirty="0"/>
+              <a:t>(First 50% train, second 50% test)</a:t>
+            </a:r>
+            <a:endParaRPr lang="zh-TW" altLang="en-US" dirty="0"/>
+          </a:p>
+        </p:txBody>
+      </p:sp>
+      <p:sp>
+        <p:nvSpPr>
+          <p:cNvPr id="3" name="日期版面配置區 2">
+            <a:extLst>
+              <a:ext uri="{FF2B5EF4-FFF2-40B4-BE49-F238E27FC236}">
+                <a16:creationId xmlns:a16="http://schemas.microsoft.com/office/drawing/2014/main" id="{32098A38-97CB-4A15-9BBC-F0543B41ED32}"/>
+              </a:ext>
+            </a:extLst>
+          </p:cNvPr>
+          <p:cNvSpPr>
+            <a:spLocks noGrp="1"/>
+          </p:cNvSpPr>
+          <p:nvPr>
+            <p:ph type="dt" sz="half" idx="10"/>
+          </p:nvPr>
+        </p:nvSpPr>
+        <p:spPr/>
+        <p:txBody>
+          <a:bodyPr/>
+          <a:lstStyle/>
+          <a:p>
+            <a:r>
+              <a:rPr lang="en-US" altLang="zh-TW"/>
+              <a:t>2023/07/03</a:t>
+            </a:r>
+            <a:endParaRPr lang="en-US" altLang="zh-TW" dirty="0"/>
+          </a:p>
+        </p:txBody>
+      </p:sp>
+      <p:sp>
+        <p:nvSpPr>
+          <p:cNvPr id="4" name="頁尾版面配置區 3">
+            <a:extLst>
+              <a:ext uri="{FF2B5EF4-FFF2-40B4-BE49-F238E27FC236}">
+                <a16:creationId xmlns:a16="http://schemas.microsoft.com/office/drawing/2014/main" id="{43654C6E-58CD-4BF5-9FC3-0C30901AE1EC}"/>
+              </a:ext>
+            </a:extLst>
+          </p:cNvPr>
+          <p:cNvSpPr>
+            <a:spLocks noGrp="1"/>
+          </p:cNvSpPr>
+          <p:nvPr>
+            <p:ph type="ftr" sz="quarter" idx="11"/>
+          </p:nvPr>
+        </p:nvSpPr>
+        <p:spPr/>
+        <p:txBody>
+          <a:bodyPr/>
+          <a:lstStyle/>
+          <a:p>
+            <a:r>
+              <a:rPr lang="en-US"/>
+              <a:t>KDD Lab@NCHU</a:t>
+            </a:r>
+          </a:p>
+        </p:txBody>
+      </p:sp>
+      <p:sp>
+        <p:nvSpPr>
+          <p:cNvPr id="5" name="投影片編號版面配置區 4">
+            <a:extLst>
+              <a:ext uri="{FF2B5EF4-FFF2-40B4-BE49-F238E27FC236}">
+                <a16:creationId xmlns:a16="http://schemas.microsoft.com/office/drawing/2014/main" id="{64A3192D-BE7F-44FA-A857-90A4F2DDC284}"/>
+              </a:ext>
+            </a:extLst>
+          </p:cNvPr>
+          <p:cNvSpPr>
+            <a:spLocks noGrp="1"/>
+          </p:cNvSpPr>
+          <p:nvPr>
+            <p:ph type="sldNum" sz="quarter" idx="12"/>
+          </p:nvPr>
+        </p:nvSpPr>
+        <p:spPr/>
+        <p:txBody>
+          <a:bodyPr/>
+          <a:lstStyle/>
+          <a:p>
+            <a:fld id="{4024F9E6-8BD1-4849-86DE-3CD23B63DC4B}" type="slidenum">
+              <a:rPr lang="en-US" smtClean="0"/>
+              <a:pPr/>
+              <a:t>16</a:t>
+            </a:fld>
+            <a:endParaRPr lang="en-US" dirty="0"/>
+          </a:p>
+        </p:txBody>
+      </p:sp>
+      <p:pic>
+        <p:nvPicPr>
+          <p:cNvPr id="18" name="圖片 17">
+            <a:extLst>
+              <a:ext uri="{FF2B5EF4-FFF2-40B4-BE49-F238E27FC236}">
+                <a16:creationId xmlns:a16="http://schemas.microsoft.com/office/drawing/2014/main" id="{BCF9EAA9-3683-4792-AEE9-7A1DA0D2E2BF}"/>
+              </a:ext>
+            </a:extLst>
+          </p:cNvPr>
+          <p:cNvPicPr>
+            <a:picLocks noChangeAspect="1"/>
+          </p:cNvPicPr>
+          <p:nvPr/>
+        </p:nvPicPr>
+        <p:blipFill>
+          <a:blip r:embed="rId3"/>
+          <a:stretch>
+            <a:fillRect/>
+          </a:stretch>
+        </p:blipFill>
+        <p:spPr>
+          <a:xfrm>
+            <a:off x="0" y="1315719"/>
+            <a:ext cx="6018776" cy="4079239"/>
+          </a:xfrm>
+          <a:prstGeom prst="rect">
+            <a:avLst/>
+          </a:prstGeom>
+        </p:spPr>
+      </p:pic>
+      <p:sp>
+        <p:nvSpPr>
+          <p:cNvPr id="11" name="文字方塊 10">
+            <a:extLst>
+              <a:ext uri="{FF2B5EF4-FFF2-40B4-BE49-F238E27FC236}">
+                <a16:creationId xmlns:a16="http://schemas.microsoft.com/office/drawing/2014/main" id="{953B53C7-BBBD-42B8-A3C7-29D53A5EC3D1}"/>
+              </a:ext>
+            </a:extLst>
+          </p:cNvPr>
+          <p:cNvSpPr txBox="1"/>
+          <p:nvPr/>
+        </p:nvSpPr>
+        <p:spPr>
+          <a:xfrm>
+            <a:off x="1814572" y="5394958"/>
+            <a:ext cx="2946400" cy="461665"/>
+          </a:xfrm>
+          <a:prstGeom prst="rect">
+            <a:avLst/>
+          </a:prstGeom>
+          <a:noFill/>
+        </p:spPr>
+        <p:txBody>
+          <a:bodyPr wrap="square" rtlCol="0">
+            <a:spAutoFit/>
+          </a:bodyPr>
+          <a:lstStyle/>
+          <a:p>
+            <a:pPr algn="ctr"/>
+            <a:r>
+              <a:rPr lang="en-US" altLang="zh-TW" sz="2400" b="1" dirty="0"/>
+              <a:t>Normal</a:t>
+            </a:r>
+            <a:endParaRPr lang="zh-TW" altLang="en-US" sz="2400" b="1" dirty="0"/>
+          </a:p>
+        </p:txBody>
+      </p:sp>
+      <p:sp>
+        <p:nvSpPr>
+          <p:cNvPr id="12" name="文字方塊 11">
+            <a:extLst>
+              <a:ext uri="{FF2B5EF4-FFF2-40B4-BE49-F238E27FC236}">
+                <a16:creationId xmlns:a16="http://schemas.microsoft.com/office/drawing/2014/main" id="{7AA6D39C-6205-492F-B028-39D85D0569FE}"/>
+              </a:ext>
+            </a:extLst>
+          </p:cNvPr>
+          <p:cNvSpPr txBox="1"/>
+          <p:nvPr/>
+        </p:nvSpPr>
+        <p:spPr>
+          <a:xfrm>
+            <a:off x="7780656" y="5381801"/>
+            <a:ext cx="2946400" cy="461665"/>
+          </a:xfrm>
+          <a:prstGeom prst="rect">
+            <a:avLst/>
+          </a:prstGeom>
+          <a:noFill/>
+        </p:spPr>
+        <p:txBody>
+          <a:bodyPr wrap="square" rtlCol="0">
+            <a:spAutoFit/>
+          </a:bodyPr>
+          <a:lstStyle/>
+          <a:p>
+            <a:pPr algn="ctr"/>
+            <a:r>
+              <a:rPr lang="en-US" altLang="zh-TW" sz="2400" b="1" dirty="0"/>
+              <a:t>4s window size</a:t>
+            </a:r>
+            <a:endParaRPr lang="zh-TW" altLang="en-US" sz="2400" b="1" dirty="0"/>
+          </a:p>
+        </p:txBody>
+      </p:sp>
+      <p:pic>
+        <p:nvPicPr>
+          <p:cNvPr id="7" name="圖片 6">
+            <a:extLst>
+              <a:ext uri="{FF2B5EF4-FFF2-40B4-BE49-F238E27FC236}">
+                <a16:creationId xmlns:a16="http://schemas.microsoft.com/office/drawing/2014/main" id="{0D10DE28-E797-43A9-8113-B05BC48D6045}"/>
+              </a:ext>
+            </a:extLst>
+          </p:cNvPr>
+          <p:cNvPicPr>
+            <a:picLocks noChangeAspect="1"/>
+          </p:cNvPicPr>
+          <p:nvPr/>
+        </p:nvPicPr>
+        <p:blipFill>
+          <a:blip r:embed="rId4"/>
+          <a:stretch>
+            <a:fillRect/>
+          </a:stretch>
+        </p:blipFill>
+        <p:spPr>
+          <a:xfrm>
+            <a:off x="6058924" y="1315719"/>
+            <a:ext cx="6018776" cy="4079239"/>
+          </a:xfrm>
+          <a:prstGeom prst="rect">
+            <a:avLst/>
+          </a:prstGeom>
+        </p:spPr>
+      </p:pic>
+    </p:spTree>
+    <p:extLst>
+      <p:ext uri="{BB962C8B-B14F-4D97-AF65-F5344CB8AC3E}">
+        <p14:creationId xmlns:p14="http://schemas.microsoft.com/office/powerpoint/2010/main" val="1749559234"/>
+      </p:ext>
+    </p:extLst>
+  </p:cSld>
+  <p:clrMapOvr>
+    <a:masterClrMapping/>
+  </p:clrMapOvr>
+</p:sld>
+</file>
+
+<file path=ppt/slides/slide17.xml><?xml version="1.0" encoding="utf-8"?>
+<p:sld xmlns:a="http://schemas.openxmlformats.org/drawingml/2006/main" xmlns:r="http://schemas.openxmlformats.org/officeDocument/2006/relationships" xmlns:p="http://schemas.openxmlformats.org/presentationml/2006/main">
+  <p:cSld>
+    <p:spTree>
+      <p:nvGrpSpPr>
+        <p:cNvPr id="1" name=""/>
+        <p:cNvGrpSpPr/>
+        <p:nvPr/>
+      </p:nvGrpSpPr>
+      <p:grpSpPr>
+        <a:xfrm>
+          <a:off x="0" y="0"/>
+          <a:ext cx="0" cy="0"/>
+          <a:chOff x="0" y="0"/>
+          <a:chExt cx="0" cy="0"/>
+        </a:xfrm>
+      </p:grpSpPr>
+      <p:sp>
+        <p:nvSpPr>
+          <p:cNvPr id="2" name="標題 1">
+            <a:extLst>
+              <a:ext uri="{FF2B5EF4-FFF2-40B4-BE49-F238E27FC236}">
+                <a16:creationId xmlns:a16="http://schemas.microsoft.com/office/drawing/2014/main" id="{FAFA649F-930C-4726-8616-5F4F809198E7}"/>
+              </a:ext>
+            </a:extLst>
+          </p:cNvPr>
+          <p:cNvSpPr>
+            <a:spLocks noGrp="1"/>
+          </p:cNvSpPr>
+          <p:nvPr>
+            <p:ph type="title"/>
+          </p:nvPr>
+        </p:nvSpPr>
+        <p:spPr/>
+        <p:txBody>
+          <a:bodyPr>
+            <a:normAutofit/>
+          </a:bodyPr>
+          <a:lstStyle/>
+          <a:p>
+            <a:r>
+              <a:rPr lang="en-US" altLang="zh-TW" dirty="0"/>
+              <a:t>Result</a:t>
+            </a:r>
+            <a:r>
+              <a:rPr lang="zh-TW" altLang="en-US" dirty="0"/>
+              <a:t> </a:t>
+            </a:r>
+            <a:r>
+              <a:rPr lang="en-US" altLang="zh-TW" dirty="0"/>
+              <a:t>(First 50% train, second 50% test)</a:t>
+            </a:r>
+            <a:endParaRPr lang="zh-TW" altLang="en-US" dirty="0"/>
+          </a:p>
+        </p:txBody>
+      </p:sp>
+      <p:sp>
+        <p:nvSpPr>
+          <p:cNvPr id="3" name="日期版面配置區 2">
+            <a:extLst>
+              <a:ext uri="{FF2B5EF4-FFF2-40B4-BE49-F238E27FC236}">
+                <a16:creationId xmlns:a16="http://schemas.microsoft.com/office/drawing/2014/main" id="{32098A38-97CB-4A15-9BBC-F0543B41ED32}"/>
+              </a:ext>
+            </a:extLst>
+          </p:cNvPr>
+          <p:cNvSpPr>
+            <a:spLocks noGrp="1"/>
+          </p:cNvSpPr>
+          <p:nvPr>
+            <p:ph type="dt" sz="half" idx="10"/>
+          </p:nvPr>
+        </p:nvSpPr>
+        <p:spPr/>
+        <p:txBody>
+          <a:bodyPr/>
+          <a:lstStyle/>
+          <a:p>
+            <a:r>
+              <a:rPr lang="en-US" altLang="zh-TW"/>
+              <a:t>2023/07/03</a:t>
+            </a:r>
+            <a:endParaRPr lang="en-US" altLang="zh-TW" dirty="0"/>
+          </a:p>
+        </p:txBody>
+      </p:sp>
+      <p:sp>
+        <p:nvSpPr>
+          <p:cNvPr id="4" name="頁尾版面配置區 3">
+            <a:extLst>
+              <a:ext uri="{FF2B5EF4-FFF2-40B4-BE49-F238E27FC236}">
+                <a16:creationId xmlns:a16="http://schemas.microsoft.com/office/drawing/2014/main" id="{43654C6E-58CD-4BF5-9FC3-0C30901AE1EC}"/>
+              </a:ext>
+            </a:extLst>
+          </p:cNvPr>
+          <p:cNvSpPr>
+            <a:spLocks noGrp="1"/>
+          </p:cNvSpPr>
+          <p:nvPr>
+            <p:ph type="ftr" sz="quarter" idx="11"/>
+          </p:nvPr>
+        </p:nvSpPr>
+        <p:spPr/>
+        <p:txBody>
+          <a:bodyPr/>
+          <a:lstStyle/>
+          <a:p>
+            <a:r>
+              <a:rPr lang="en-US"/>
+              <a:t>KDD Lab@NCHU</a:t>
+            </a:r>
+          </a:p>
+        </p:txBody>
+      </p:sp>
+      <p:sp>
+        <p:nvSpPr>
+          <p:cNvPr id="5" name="投影片編號版面配置區 4">
+            <a:extLst>
+              <a:ext uri="{FF2B5EF4-FFF2-40B4-BE49-F238E27FC236}">
+                <a16:creationId xmlns:a16="http://schemas.microsoft.com/office/drawing/2014/main" id="{64A3192D-BE7F-44FA-A857-90A4F2DDC284}"/>
+              </a:ext>
+            </a:extLst>
+          </p:cNvPr>
+          <p:cNvSpPr>
+            <a:spLocks noGrp="1"/>
+          </p:cNvSpPr>
+          <p:nvPr>
+            <p:ph type="sldNum" sz="quarter" idx="12"/>
+          </p:nvPr>
+        </p:nvSpPr>
+        <p:spPr/>
+        <p:txBody>
+          <a:bodyPr/>
+          <a:lstStyle/>
+          <a:p>
+            <a:fld id="{4024F9E6-8BD1-4849-86DE-3CD23B63DC4B}" type="slidenum">
+              <a:rPr lang="en-US" smtClean="0"/>
+              <a:pPr/>
+              <a:t>17</a:t>
+            </a:fld>
+            <a:endParaRPr lang="en-US" dirty="0"/>
+          </a:p>
+        </p:txBody>
+      </p:sp>
+      <p:pic>
+        <p:nvPicPr>
+          <p:cNvPr id="7" name="圖片 6">
+            <a:extLst>
+              <a:ext uri="{FF2B5EF4-FFF2-40B4-BE49-F238E27FC236}">
+                <a16:creationId xmlns:a16="http://schemas.microsoft.com/office/drawing/2014/main" id="{B19EF523-D9D8-4F2C-8EA4-EED80312BB55}"/>
+              </a:ext>
+            </a:extLst>
+          </p:cNvPr>
+          <p:cNvPicPr>
+            <a:picLocks noChangeAspect="1"/>
+          </p:cNvPicPr>
+          <p:nvPr/>
+        </p:nvPicPr>
+        <p:blipFill>
+          <a:blip r:embed="rId3"/>
+          <a:stretch>
+            <a:fillRect/>
+          </a:stretch>
+        </p:blipFill>
+        <p:spPr>
+          <a:xfrm>
+            <a:off x="58132" y="1577281"/>
+            <a:ext cx="12075736" cy="3703437"/>
+          </a:xfrm>
+          <a:prstGeom prst="rect">
+            <a:avLst/>
+          </a:prstGeom>
+        </p:spPr>
+      </p:pic>
+    </p:spTree>
+    <p:extLst>
+      <p:ext uri="{BB962C8B-B14F-4D97-AF65-F5344CB8AC3E}">
+        <p14:creationId xmlns:p14="http://schemas.microsoft.com/office/powerpoint/2010/main" val="1556657035"/>
+      </p:ext>
+    </p:extLst>
+  </p:cSld>
+  <p:clrMapOvr>
+    <a:masterClrMapping/>
+  </p:clrMapOvr>
+</p:sld>
+</file>
+
+<file path=ppt/slides/slide18.xml><?xml version="1.0" encoding="utf-8"?>
+<p:sld xmlns:a="http://schemas.openxmlformats.org/drawingml/2006/main" xmlns:r="http://schemas.openxmlformats.org/officeDocument/2006/relationships" xmlns:p="http://schemas.openxmlformats.org/presentationml/2006/main">
+  <p:cSld>
+    <p:spTree>
+      <p:nvGrpSpPr>
+        <p:cNvPr id="1" name=""/>
+        <p:cNvGrpSpPr/>
+        <p:nvPr/>
+      </p:nvGrpSpPr>
+      <p:grpSpPr>
+        <a:xfrm>
+          <a:off x="0" y="0"/>
+          <a:ext cx="0" cy="0"/>
+          <a:chOff x="0" y="0"/>
+          <a:chExt cx="0" cy="0"/>
+        </a:xfrm>
+      </p:grpSpPr>
+      <p:sp>
+        <p:nvSpPr>
+          <p:cNvPr id="2" name="標題 1">
+            <a:extLst>
+              <a:ext uri="{FF2B5EF4-FFF2-40B4-BE49-F238E27FC236}">
+                <a16:creationId xmlns:a16="http://schemas.microsoft.com/office/drawing/2014/main" id="{FAFA649F-930C-4726-8616-5F4F809198E7}"/>
+              </a:ext>
+            </a:extLst>
+          </p:cNvPr>
+          <p:cNvSpPr>
+            <a:spLocks noGrp="1"/>
+          </p:cNvSpPr>
+          <p:nvPr>
+            <p:ph type="title"/>
+          </p:nvPr>
+        </p:nvSpPr>
+        <p:spPr/>
+        <p:txBody>
+          <a:bodyPr>
+            <a:normAutofit/>
+          </a:bodyPr>
+          <a:lstStyle/>
+          <a:p>
+            <a:r>
+              <a:rPr lang="en-US" altLang="zh-TW" dirty="0"/>
+              <a:t>Result</a:t>
+            </a:r>
+            <a:r>
+              <a:rPr lang="zh-TW" altLang="en-US" dirty="0"/>
+              <a:t> </a:t>
+            </a:r>
+            <a:r>
+              <a:rPr lang="en-US" altLang="zh-TW" dirty="0"/>
+              <a:t>(Eric train, Kino test)</a:t>
+            </a:r>
+            <a:endParaRPr lang="zh-TW" altLang="en-US" dirty="0"/>
+          </a:p>
+        </p:txBody>
+      </p:sp>
+      <p:sp>
+        <p:nvSpPr>
+          <p:cNvPr id="3" name="日期版面配置區 2">
+            <a:extLst>
+              <a:ext uri="{FF2B5EF4-FFF2-40B4-BE49-F238E27FC236}">
+                <a16:creationId xmlns:a16="http://schemas.microsoft.com/office/drawing/2014/main" id="{32098A38-97CB-4A15-9BBC-F0543B41ED32}"/>
+              </a:ext>
+            </a:extLst>
+          </p:cNvPr>
+          <p:cNvSpPr>
+            <a:spLocks noGrp="1"/>
+          </p:cNvSpPr>
+          <p:nvPr>
+            <p:ph type="dt" sz="half" idx="10"/>
+          </p:nvPr>
+        </p:nvSpPr>
+        <p:spPr/>
+        <p:txBody>
+          <a:bodyPr/>
+          <a:lstStyle/>
+          <a:p>
+            <a:r>
+              <a:rPr lang="en-US" altLang="zh-TW"/>
+              <a:t>2023/07/03</a:t>
+            </a:r>
+            <a:endParaRPr lang="en-US" altLang="zh-TW" dirty="0"/>
+          </a:p>
+        </p:txBody>
+      </p:sp>
+      <p:sp>
+        <p:nvSpPr>
+          <p:cNvPr id="4" name="頁尾版面配置區 3">
+            <a:extLst>
+              <a:ext uri="{FF2B5EF4-FFF2-40B4-BE49-F238E27FC236}">
+                <a16:creationId xmlns:a16="http://schemas.microsoft.com/office/drawing/2014/main" id="{43654C6E-58CD-4BF5-9FC3-0C30901AE1EC}"/>
+              </a:ext>
+            </a:extLst>
+          </p:cNvPr>
+          <p:cNvSpPr>
+            <a:spLocks noGrp="1"/>
+          </p:cNvSpPr>
+          <p:nvPr>
+            <p:ph type="ftr" sz="quarter" idx="11"/>
+          </p:nvPr>
+        </p:nvSpPr>
+        <p:spPr/>
+        <p:txBody>
+          <a:bodyPr/>
+          <a:lstStyle/>
+          <a:p>
+            <a:r>
+              <a:rPr lang="en-US"/>
+              <a:t>KDD Lab@NCHU</a:t>
+            </a:r>
+          </a:p>
+        </p:txBody>
+      </p:sp>
+      <p:sp>
+        <p:nvSpPr>
+          <p:cNvPr id="5" name="投影片編號版面配置區 4">
+            <a:extLst>
+              <a:ext uri="{FF2B5EF4-FFF2-40B4-BE49-F238E27FC236}">
+                <a16:creationId xmlns:a16="http://schemas.microsoft.com/office/drawing/2014/main" id="{64A3192D-BE7F-44FA-A857-90A4F2DDC284}"/>
+              </a:ext>
+            </a:extLst>
+          </p:cNvPr>
+          <p:cNvSpPr>
+            <a:spLocks noGrp="1"/>
+          </p:cNvSpPr>
+          <p:nvPr>
+            <p:ph type="sldNum" sz="quarter" idx="12"/>
+          </p:nvPr>
+        </p:nvSpPr>
+        <p:spPr/>
+        <p:txBody>
+          <a:bodyPr/>
+          <a:lstStyle/>
+          <a:p>
+            <a:fld id="{4024F9E6-8BD1-4849-86DE-3CD23B63DC4B}" type="slidenum">
+              <a:rPr lang="en-US" smtClean="0"/>
+              <a:pPr/>
+              <a:t>18</a:t>
+            </a:fld>
+            <a:endParaRPr lang="en-US" dirty="0"/>
+          </a:p>
+        </p:txBody>
+      </p:sp>
+      <p:sp>
+        <p:nvSpPr>
+          <p:cNvPr id="8" name="文字方塊 7">
+            <a:extLst>
+              <a:ext uri="{FF2B5EF4-FFF2-40B4-BE49-F238E27FC236}">
+                <a16:creationId xmlns:a16="http://schemas.microsoft.com/office/drawing/2014/main" id="{6D420470-248A-4029-BD46-AEEBC30A8661}"/>
+              </a:ext>
+            </a:extLst>
+          </p:cNvPr>
+          <p:cNvSpPr txBox="1"/>
+          <p:nvPr/>
+        </p:nvSpPr>
+        <p:spPr>
+          <a:xfrm>
+            <a:off x="331259" y="4910460"/>
+            <a:ext cx="2946400" cy="461665"/>
+          </a:xfrm>
+          <a:prstGeom prst="rect">
+            <a:avLst/>
+          </a:prstGeom>
+          <a:noFill/>
+        </p:spPr>
+        <p:txBody>
+          <a:bodyPr wrap="square" rtlCol="0">
+            <a:spAutoFit/>
+          </a:bodyPr>
+          <a:lstStyle/>
+          <a:p>
+            <a:pPr algn="ctr"/>
+            <a:r>
+              <a:rPr lang="en-US" altLang="zh-TW" sz="2400" b="1" dirty="0"/>
+              <a:t>4s window size</a:t>
+            </a:r>
+            <a:endParaRPr lang="zh-TW" altLang="en-US" sz="2400" b="1" dirty="0"/>
+          </a:p>
+        </p:txBody>
+      </p:sp>
+      <p:pic>
+        <p:nvPicPr>
+          <p:cNvPr id="9" name="圖片 8">
+            <a:extLst>
+              <a:ext uri="{FF2B5EF4-FFF2-40B4-BE49-F238E27FC236}">
+                <a16:creationId xmlns:a16="http://schemas.microsoft.com/office/drawing/2014/main" id="{4ACF2A2F-4292-4E57-B438-8DDDBBFB07F5}"/>
+              </a:ext>
+            </a:extLst>
+          </p:cNvPr>
+          <p:cNvPicPr>
+            <a:picLocks noChangeAspect="1"/>
+          </p:cNvPicPr>
+          <p:nvPr/>
+        </p:nvPicPr>
+        <p:blipFill>
+          <a:blip r:embed="rId3"/>
+          <a:stretch>
+            <a:fillRect/>
+          </a:stretch>
+        </p:blipFill>
+        <p:spPr>
+          <a:xfrm>
+            <a:off x="3223319" y="1242288"/>
+            <a:ext cx="7393226" cy="5010776"/>
+          </a:xfrm>
+          <a:prstGeom prst="rect">
+            <a:avLst/>
+          </a:prstGeom>
+        </p:spPr>
+      </p:pic>
+    </p:spTree>
+    <p:extLst>
+      <p:ext uri="{BB962C8B-B14F-4D97-AF65-F5344CB8AC3E}">
+        <p14:creationId xmlns:p14="http://schemas.microsoft.com/office/powerpoint/2010/main" val="1141155569"/>
+      </p:ext>
+    </p:extLst>
+  </p:cSld>
+  <p:clrMapOvr>
+    <a:masterClrMapping/>
+  </p:clrMapOvr>
+</p:sld>
+</file>
+
+<file path=ppt/slides/slide19.xml><?xml version="1.0" encoding="utf-8"?>
+<p:sld xmlns:a="http://schemas.openxmlformats.org/drawingml/2006/main" xmlns:r="http://schemas.openxmlformats.org/officeDocument/2006/relationships" xmlns:p="http://schemas.openxmlformats.org/presentationml/2006/main">
+  <p:cSld>
+    <p:spTree>
+      <p:nvGrpSpPr>
+        <p:cNvPr id="1" name=""/>
+        <p:cNvGrpSpPr/>
+        <p:nvPr/>
+      </p:nvGrpSpPr>
+      <p:grpSpPr>
+        <a:xfrm>
+          <a:off x="0" y="0"/>
+          <a:ext cx="0" cy="0"/>
+          <a:chOff x="0" y="0"/>
+          <a:chExt cx="0" cy="0"/>
+        </a:xfrm>
+      </p:grpSpPr>
+      <p:sp>
+        <p:nvSpPr>
+          <p:cNvPr id="2" name="標題 1">
+            <a:extLst>
+              <a:ext uri="{FF2B5EF4-FFF2-40B4-BE49-F238E27FC236}">
+                <a16:creationId xmlns:a16="http://schemas.microsoft.com/office/drawing/2014/main" id="{FAFA649F-930C-4726-8616-5F4F809198E7}"/>
+              </a:ext>
+            </a:extLst>
+          </p:cNvPr>
+          <p:cNvSpPr>
+            <a:spLocks noGrp="1"/>
+          </p:cNvSpPr>
+          <p:nvPr>
+            <p:ph type="title"/>
+          </p:nvPr>
+        </p:nvSpPr>
+        <p:spPr/>
+        <p:txBody>
+          <a:bodyPr/>
+          <a:lstStyle/>
+          <a:p>
+            <a:r>
+              <a:rPr lang="en-US" altLang="zh-TW" dirty="0"/>
+              <a:t>Future Work</a:t>
+            </a:r>
+            <a:endParaRPr lang="zh-TW" altLang="en-US" dirty="0"/>
+          </a:p>
+        </p:txBody>
+      </p:sp>
+      <p:sp>
+        <p:nvSpPr>
+          <p:cNvPr id="3" name="日期版面配置區 2">
+            <a:extLst>
+              <a:ext uri="{FF2B5EF4-FFF2-40B4-BE49-F238E27FC236}">
+                <a16:creationId xmlns:a16="http://schemas.microsoft.com/office/drawing/2014/main" id="{32098A38-97CB-4A15-9BBC-F0543B41ED32}"/>
+              </a:ext>
+            </a:extLst>
+          </p:cNvPr>
+          <p:cNvSpPr>
+            <a:spLocks noGrp="1"/>
+          </p:cNvSpPr>
+          <p:nvPr>
+            <p:ph type="dt" sz="half" idx="10"/>
+          </p:nvPr>
+        </p:nvSpPr>
+        <p:spPr/>
+        <p:txBody>
+          <a:bodyPr/>
+          <a:lstStyle/>
+          <a:p>
+            <a:r>
+              <a:rPr lang="en-US" altLang="zh-TW"/>
+              <a:t>2023/07/03</a:t>
+            </a:r>
+            <a:endParaRPr lang="en-US" altLang="zh-TW" dirty="0"/>
+          </a:p>
+        </p:txBody>
+      </p:sp>
+      <p:sp>
+        <p:nvSpPr>
+          <p:cNvPr id="4" name="頁尾版面配置區 3">
+            <a:extLst>
+              <a:ext uri="{FF2B5EF4-FFF2-40B4-BE49-F238E27FC236}">
+                <a16:creationId xmlns:a16="http://schemas.microsoft.com/office/drawing/2014/main" id="{43654C6E-58CD-4BF5-9FC3-0C30901AE1EC}"/>
+              </a:ext>
+            </a:extLst>
+          </p:cNvPr>
+          <p:cNvSpPr>
+            <a:spLocks noGrp="1"/>
+          </p:cNvSpPr>
+          <p:nvPr>
+            <p:ph type="ftr" sz="quarter" idx="11"/>
+          </p:nvPr>
+        </p:nvSpPr>
+        <p:spPr/>
+        <p:txBody>
+          <a:bodyPr/>
+          <a:lstStyle/>
+          <a:p>
+            <a:r>
+              <a:rPr lang="en-US"/>
+              <a:t>KDD Lab@NCHU</a:t>
+            </a:r>
+          </a:p>
+        </p:txBody>
+      </p:sp>
+      <p:sp>
+        <p:nvSpPr>
+          <p:cNvPr id="5" name="投影片編號版面配置區 4">
+            <a:extLst>
+              <a:ext uri="{FF2B5EF4-FFF2-40B4-BE49-F238E27FC236}">
+                <a16:creationId xmlns:a16="http://schemas.microsoft.com/office/drawing/2014/main" id="{64A3192D-BE7F-44FA-A857-90A4F2DDC284}"/>
+              </a:ext>
+            </a:extLst>
+          </p:cNvPr>
+          <p:cNvSpPr>
+            <a:spLocks noGrp="1"/>
+          </p:cNvSpPr>
+          <p:nvPr>
+            <p:ph type="sldNum" sz="quarter" idx="12"/>
+          </p:nvPr>
+        </p:nvSpPr>
+        <p:spPr/>
+        <p:txBody>
+          <a:bodyPr/>
+          <a:lstStyle/>
+          <a:p>
+            <a:fld id="{4024F9E6-8BD1-4849-86DE-3CD23B63DC4B}" type="slidenum">
+              <a:rPr lang="en-US" smtClean="0"/>
+              <a:pPr/>
+              <a:t>19</a:t>
             </a:fld>
             <a:endParaRPr lang="en-US" dirty="0"/>
           </a:p>
